--- a/CityCrawl.pptx
+++ b/CityCrawl.pptx
@@ -7,6 +7,9 @@
   <p:sldIdLst>
     <p:sldId id="256" r:id="rId2"/>
     <p:sldId id="257" r:id="rId3"/>
+    <p:sldId id="258" r:id="rId4"/>
+    <p:sldId id="259" r:id="rId5"/>
+    <p:sldId id="260" r:id="rId6"/>
   </p:sldIdLst>
   <p:sldSz cx="12192000" cy="6858000"/>
   <p:notesSz cx="6858000" cy="9144000"/>
@@ -3521,6 +3524,255 @@
 </p:sld>
 </file>
 
+<file path=ppt/slides/slide3.xml><?xml version="1.0" encoding="utf-8"?>
+<p:sld xmlns:a="http://schemas.openxmlformats.org/drawingml/2006/main" xmlns:r="http://schemas.openxmlformats.org/officeDocument/2006/relationships" xmlns:p="http://schemas.openxmlformats.org/presentationml/2006/main">
+  <p:cSld>
+    <p:spTree>
+      <p:nvGrpSpPr>
+        <p:cNvPr id="1" name=""/>
+        <p:cNvGrpSpPr/>
+        <p:nvPr/>
+      </p:nvGrpSpPr>
+      <p:grpSpPr>
+        <a:xfrm>
+          <a:off x="0" y="0"/>
+          <a:ext cx="0" cy="0"/>
+          <a:chOff x="0" y="0"/>
+          <a:chExt cx="0" cy="0"/>
+        </a:xfrm>
+      </p:grpSpPr>
+      <p:sp>
+        <p:nvSpPr>
+          <p:cNvPr id="2" name="Titel 1">
+            <a:extLst>
+              <a:ext uri="{FF2B5EF4-FFF2-40B4-BE49-F238E27FC236}">
+                <a16:creationId xmlns:a16="http://schemas.microsoft.com/office/drawing/2014/main" id="{89DA88CC-D5D8-40F6-B083-19FD154155CC}"/>
+              </a:ext>
+            </a:extLst>
+          </p:cNvPr>
+          <p:cNvSpPr>
+            <a:spLocks noGrp="1"/>
+          </p:cNvSpPr>
+          <p:nvPr>
+            <p:ph type="title"/>
+          </p:nvPr>
+        </p:nvSpPr>
+        <p:spPr/>
+        <p:txBody>
+          <a:bodyPr/>
+          <a:lstStyle/>
+          <a:p>
+            <a:r>
+              <a:rPr lang="da-DK" dirty="0"/>
+              <a:t>CC-Web</a:t>
+            </a:r>
+          </a:p>
+        </p:txBody>
+      </p:sp>
+      <p:sp>
+        <p:nvSpPr>
+          <p:cNvPr id="3" name="Pladsholder til indhold 2">
+            <a:extLst>
+              <a:ext uri="{FF2B5EF4-FFF2-40B4-BE49-F238E27FC236}">
+                <a16:creationId xmlns:a16="http://schemas.microsoft.com/office/drawing/2014/main" id="{95BA516C-F514-477E-A555-4FED6DE3A67D}"/>
+              </a:ext>
+            </a:extLst>
+          </p:cNvPr>
+          <p:cNvSpPr>
+            <a:spLocks noGrp="1"/>
+          </p:cNvSpPr>
+          <p:nvPr>
+            <p:ph idx="1"/>
+          </p:nvPr>
+        </p:nvSpPr>
+        <p:spPr/>
+        <p:txBody>
+          <a:bodyPr/>
+          <a:lstStyle/>
+          <a:p>
+            <a:endParaRPr lang="da-DK"/>
+          </a:p>
+        </p:txBody>
+      </p:sp>
+    </p:spTree>
+    <p:extLst>
+      <p:ext uri="{BB962C8B-B14F-4D97-AF65-F5344CB8AC3E}">
+        <p14:creationId xmlns:p14="http://schemas.microsoft.com/office/powerpoint/2010/main" val="14798315"/>
+      </p:ext>
+    </p:extLst>
+  </p:cSld>
+  <p:clrMapOvr>
+    <a:masterClrMapping/>
+  </p:clrMapOvr>
+</p:sld>
+</file>
+
+<file path=ppt/slides/slide4.xml><?xml version="1.0" encoding="utf-8"?>
+<p:sld xmlns:a="http://schemas.openxmlformats.org/drawingml/2006/main" xmlns:r="http://schemas.openxmlformats.org/officeDocument/2006/relationships" xmlns:p="http://schemas.openxmlformats.org/presentationml/2006/main">
+  <p:cSld>
+    <p:spTree>
+      <p:nvGrpSpPr>
+        <p:cNvPr id="1" name=""/>
+        <p:cNvGrpSpPr/>
+        <p:nvPr/>
+      </p:nvGrpSpPr>
+      <p:grpSpPr>
+        <a:xfrm>
+          <a:off x="0" y="0"/>
+          <a:ext cx="0" cy="0"/>
+          <a:chOff x="0" y="0"/>
+          <a:chExt cx="0" cy="0"/>
+        </a:xfrm>
+      </p:grpSpPr>
+      <p:sp>
+        <p:nvSpPr>
+          <p:cNvPr id="2" name="Titel 1">
+            <a:extLst>
+              <a:ext uri="{FF2B5EF4-FFF2-40B4-BE49-F238E27FC236}">
+                <a16:creationId xmlns:a16="http://schemas.microsoft.com/office/drawing/2014/main" id="{6D2A68FF-E234-42BC-AD09-428F5E0C1F19}"/>
+              </a:ext>
+            </a:extLst>
+          </p:cNvPr>
+          <p:cNvSpPr>
+            <a:spLocks noGrp="1"/>
+          </p:cNvSpPr>
+          <p:nvPr>
+            <p:ph type="title"/>
+          </p:nvPr>
+        </p:nvSpPr>
+        <p:spPr/>
+        <p:txBody>
+          <a:bodyPr/>
+          <a:lstStyle/>
+          <a:p>
+            <a:r>
+              <a:rPr lang="da-DK" dirty="0"/>
+              <a:t>CC-Database</a:t>
+            </a:r>
+          </a:p>
+        </p:txBody>
+      </p:sp>
+      <p:sp>
+        <p:nvSpPr>
+          <p:cNvPr id="3" name="Pladsholder til indhold 2">
+            <a:extLst>
+              <a:ext uri="{FF2B5EF4-FFF2-40B4-BE49-F238E27FC236}">
+                <a16:creationId xmlns:a16="http://schemas.microsoft.com/office/drawing/2014/main" id="{0D09D8CB-50DB-4041-9757-514AFA7194DF}"/>
+              </a:ext>
+            </a:extLst>
+          </p:cNvPr>
+          <p:cNvSpPr>
+            <a:spLocks noGrp="1"/>
+          </p:cNvSpPr>
+          <p:nvPr>
+            <p:ph idx="1"/>
+          </p:nvPr>
+        </p:nvSpPr>
+        <p:spPr/>
+        <p:txBody>
+          <a:bodyPr/>
+          <a:lstStyle/>
+          <a:p>
+            <a:endParaRPr lang="da-DK"/>
+          </a:p>
+        </p:txBody>
+      </p:sp>
+    </p:spTree>
+    <p:extLst>
+      <p:ext uri="{BB962C8B-B14F-4D97-AF65-F5344CB8AC3E}">
+        <p14:creationId xmlns:p14="http://schemas.microsoft.com/office/powerpoint/2010/main" val="1763353638"/>
+      </p:ext>
+    </p:extLst>
+  </p:cSld>
+  <p:clrMapOvr>
+    <a:masterClrMapping/>
+  </p:clrMapOvr>
+</p:sld>
+</file>
+
+<file path=ppt/slides/slide5.xml><?xml version="1.0" encoding="utf-8"?>
+<p:sld xmlns:a="http://schemas.openxmlformats.org/drawingml/2006/main" xmlns:r="http://schemas.openxmlformats.org/officeDocument/2006/relationships" xmlns:p="http://schemas.openxmlformats.org/presentationml/2006/main">
+  <p:cSld>
+    <p:spTree>
+      <p:nvGrpSpPr>
+        <p:cNvPr id="1" name=""/>
+        <p:cNvGrpSpPr/>
+        <p:nvPr/>
+      </p:nvGrpSpPr>
+      <p:grpSpPr>
+        <a:xfrm>
+          <a:off x="0" y="0"/>
+          <a:ext cx="0" cy="0"/>
+          <a:chOff x="0" y="0"/>
+          <a:chExt cx="0" cy="0"/>
+        </a:xfrm>
+      </p:grpSpPr>
+      <p:sp>
+        <p:nvSpPr>
+          <p:cNvPr id="2" name="Titel 1">
+            <a:extLst>
+              <a:ext uri="{FF2B5EF4-FFF2-40B4-BE49-F238E27FC236}">
+                <a16:creationId xmlns:a16="http://schemas.microsoft.com/office/drawing/2014/main" id="{1BC57F7E-1CDE-4EC3-8B49-601439BBFF6F}"/>
+              </a:ext>
+            </a:extLst>
+          </p:cNvPr>
+          <p:cNvSpPr>
+            <a:spLocks noGrp="1"/>
+          </p:cNvSpPr>
+          <p:nvPr>
+            <p:ph type="title"/>
+          </p:nvPr>
+        </p:nvSpPr>
+        <p:spPr/>
+        <p:txBody>
+          <a:bodyPr/>
+          <a:lstStyle/>
+          <a:p>
+            <a:r>
+              <a:rPr lang="da-DK"/>
+              <a:t>Web-API</a:t>
+            </a:r>
+          </a:p>
+        </p:txBody>
+      </p:sp>
+      <p:sp>
+        <p:nvSpPr>
+          <p:cNvPr id="3" name="Pladsholder til indhold 2">
+            <a:extLst>
+              <a:ext uri="{FF2B5EF4-FFF2-40B4-BE49-F238E27FC236}">
+                <a16:creationId xmlns:a16="http://schemas.microsoft.com/office/drawing/2014/main" id="{E91CAC68-6C65-464E-804A-19EFF743A19D}"/>
+              </a:ext>
+            </a:extLst>
+          </p:cNvPr>
+          <p:cNvSpPr>
+            <a:spLocks noGrp="1"/>
+          </p:cNvSpPr>
+          <p:nvPr>
+            <p:ph idx="1"/>
+          </p:nvPr>
+        </p:nvSpPr>
+        <p:spPr/>
+        <p:txBody>
+          <a:bodyPr/>
+          <a:lstStyle/>
+          <a:p>
+            <a:endParaRPr lang="da-DK"/>
+          </a:p>
+        </p:txBody>
+      </p:sp>
+    </p:spTree>
+    <p:extLst>
+      <p:ext uri="{BB962C8B-B14F-4D97-AF65-F5344CB8AC3E}">
+        <p14:creationId xmlns:p14="http://schemas.microsoft.com/office/powerpoint/2010/main" val="1599083995"/>
+      </p:ext>
+    </p:extLst>
+  </p:cSld>
+  <p:clrMapOvr>
+    <a:masterClrMapping/>
+  </p:clrMapOvr>
+</p:sld>
+</file>
+
 <file path=ppt/theme/theme1.xml><?xml version="1.0" encoding="utf-8"?>
 <a:theme xmlns:a="http://schemas.openxmlformats.org/drawingml/2006/main" name="Office-tema">
   <a:themeElements>

--- a/CityCrawl.pptx
+++ b/CityCrawl.pptx
@@ -108,6 +108,11 @@
       </a:defRPr>
     </a:lvl9pPr>
   </p:defaultTextStyle>
+  <p:extLst>
+    <p:ext uri="{EFAFB233-063F-42B5-8137-9DF3F51BA10A}">
+      <p15:sldGuideLst xmlns:p15="http://schemas.microsoft.com/office/powerpoint/2012/main"/>
+    </p:ext>
+  </p:extLst>
 </p:presentation>
 </file>
 
@@ -3341,9 +3346,16 @@
             <p:ph type="ctrTitle"/>
           </p:nvPr>
         </p:nvSpPr>
-        <p:spPr/>
-        <p:txBody>
-          <a:bodyPr/>
+        <p:spPr>
+          <a:xfrm>
+            <a:off x="1381806" y="683948"/>
+            <a:ext cx="9144000" cy="706437"/>
+          </a:xfrm>
+        </p:spPr>
+        <p:txBody>
+          <a:bodyPr>
+            <a:normAutofit fontScale="90000"/>
+          </a:bodyPr>
           <a:lstStyle/>
           <a:p>
             <a:r>
@@ -3370,7 +3382,12 @@
             <p:ph type="subTitle" idx="1"/>
           </p:nvPr>
         </p:nvSpPr>
-        <p:spPr/>
+        <p:spPr>
+          <a:xfrm>
+            <a:off x="1500339" y="1390385"/>
+            <a:ext cx="9144000" cy="1655762"/>
+          </a:xfrm>
+        </p:spPr>
         <p:txBody>
           <a:bodyPr/>
           <a:lstStyle/>
@@ -3382,6 +3399,42 @@
           </a:p>
         </p:txBody>
       </p:sp>
+      <p:pic>
+        <p:nvPicPr>
+          <p:cNvPr id="5" name="Billede 4">
+            <a:extLst>
+              <a:ext uri="{FF2B5EF4-FFF2-40B4-BE49-F238E27FC236}">
+                <a16:creationId xmlns:a16="http://schemas.microsoft.com/office/drawing/2014/main" id="{85143D90-F23C-486A-8EAF-A0F7B1CF3A8C}"/>
+              </a:ext>
+            </a:extLst>
+          </p:cNvPr>
+          <p:cNvPicPr>
+            <a:picLocks noChangeAspect="1"/>
+          </p:cNvPicPr>
+          <p:nvPr/>
+        </p:nvPicPr>
+        <p:blipFill>
+          <a:blip r:embed="rId2">
+            <a:extLst>
+              <a:ext uri="{28A0092B-C50C-407E-A947-70E740481C1C}">
+                <a14:useLocalDpi xmlns:a14="http://schemas.microsoft.com/office/drawing/2010/main" val="0"/>
+              </a:ext>
+            </a:extLst>
+          </a:blip>
+          <a:stretch>
+            <a:fillRect/>
+          </a:stretch>
+        </p:blipFill>
+        <p:spPr>
+          <a:xfrm>
+            <a:off x="3953736" y="2218266"/>
+            <a:ext cx="4284527" cy="4294451"/>
+          </a:xfrm>
+          <a:prstGeom prst="rect">
+            <a:avLst/>
+          </a:prstGeom>
+        </p:spPr>
+      </p:pic>
     </p:spTree>
     <p:extLst>
       <p:ext uri="{BB962C8B-B14F-4D97-AF65-F5344CB8AC3E}">

--- a/CityCrawl.pptx
+++ b/CityCrawl.pptx
@@ -7,9 +7,10 @@
   <p:sldIdLst>
     <p:sldId id="256" r:id="rId2"/>
     <p:sldId id="257" r:id="rId3"/>
-    <p:sldId id="258" r:id="rId4"/>
-    <p:sldId id="259" r:id="rId5"/>
-    <p:sldId id="260" r:id="rId6"/>
+    <p:sldId id="261" r:id="rId4"/>
+    <p:sldId id="258" r:id="rId5"/>
+    <p:sldId id="259" r:id="rId6"/>
+    <p:sldId id="260" r:id="rId7"/>
   </p:sldIdLst>
   <p:sldSz cx="12192000" cy="6858000"/>
   <p:notesSz cx="6858000" cy="9144000"/>
@@ -3330,75 +3331,6 @@
           <a:chExt cx="0" cy="0"/>
         </a:xfrm>
       </p:grpSpPr>
-      <p:sp>
-        <p:nvSpPr>
-          <p:cNvPr id="2" name="Titel 1">
-            <a:extLst>
-              <a:ext uri="{FF2B5EF4-FFF2-40B4-BE49-F238E27FC236}">
-                <a16:creationId xmlns:a16="http://schemas.microsoft.com/office/drawing/2014/main" id="{DC5F2CC8-AECA-4EB5-AC98-18AE77C6CC15}"/>
-              </a:ext>
-            </a:extLst>
-          </p:cNvPr>
-          <p:cNvSpPr>
-            <a:spLocks noGrp="1"/>
-          </p:cNvSpPr>
-          <p:nvPr>
-            <p:ph type="ctrTitle"/>
-          </p:nvPr>
-        </p:nvSpPr>
-        <p:spPr>
-          <a:xfrm>
-            <a:off x="1381806" y="683948"/>
-            <a:ext cx="9144000" cy="706437"/>
-          </a:xfrm>
-        </p:spPr>
-        <p:txBody>
-          <a:bodyPr>
-            <a:normAutofit fontScale="90000"/>
-          </a:bodyPr>
-          <a:lstStyle/>
-          <a:p>
-            <a:r>
-              <a:rPr lang="da-DK" dirty="0" err="1"/>
-              <a:t>CityCrawl</a:t>
-            </a:r>
-            <a:endParaRPr lang="da-DK" dirty="0"/>
-          </a:p>
-        </p:txBody>
-      </p:sp>
-      <p:sp>
-        <p:nvSpPr>
-          <p:cNvPr id="3" name="Undertitel 2">
-            <a:extLst>
-              <a:ext uri="{FF2B5EF4-FFF2-40B4-BE49-F238E27FC236}">
-                <a16:creationId xmlns:a16="http://schemas.microsoft.com/office/drawing/2014/main" id="{DCBCCB55-8946-4FC8-B7D2-E2FEEDEB6FDD}"/>
-              </a:ext>
-            </a:extLst>
-          </p:cNvPr>
-          <p:cNvSpPr>
-            <a:spLocks noGrp="1"/>
-          </p:cNvSpPr>
-          <p:nvPr>
-            <p:ph type="subTitle" idx="1"/>
-          </p:nvPr>
-        </p:nvSpPr>
-        <p:spPr>
-          <a:xfrm>
-            <a:off x="1500339" y="1390385"/>
-            <a:ext cx="9144000" cy="1655762"/>
-          </a:xfrm>
-        </p:spPr>
-        <p:txBody>
-          <a:bodyPr/>
-          <a:lstStyle/>
-          <a:p>
-            <a:r>
-              <a:rPr lang="da-DK" dirty="0"/>
-              <a:t>Gruppe 1</a:t>
-            </a:r>
-          </a:p>
-        </p:txBody>
-      </p:sp>
       <p:pic>
         <p:nvPicPr>
           <p:cNvPr id="5" name="Billede 4">
@@ -3427,8 +3359,8 @@
         </p:blipFill>
         <p:spPr>
           <a:xfrm>
-            <a:off x="3953736" y="2218266"/>
-            <a:ext cx="4284527" cy="4294451"/>
+            <a:off x="3471136" y="736601"/>
+            <a:ext cx="5568486" cy="5581384"/>
           </a:xfrm>
           <a:prstGeom prst="rect">
             <a:avLst/>
@@ -3599,7 +3531,7 @@
           <p:cNvPr id="2" name="Titel 1">
             <a:extLst>
               <a:ext uri="{FF2B5EF4-FFF2-40B4-BE49-F238E27FC236}">
-                <a16:creationId xmlns:a16="http://schemas.microsoft.com/office/drawing/2014/main" id="{89DA88CC-D5D8-40F6-B083-19FD154155CC}"/>
+                <a16:creationId xmlns:a16="http://schemas.microsoft.com/office/drawing/2014/main" id="{67B5D7BB-4291-45A8-B29B-9E7BAF8089E2}"/>
               </a:ext>
             </a:extLst>
           </p:cNvPr>
@@ -3616,9 +3548,10 @@
           <a:lstStyle/>
           <a:p>
             <a:r>
-              <a:rPr lang="da-DK" dirty="0"/>
-              <a:t>CC-Web</a:t>
-            </a:r>
+              <a:rPr lang="en-US"/>
+              <a:t>Implementering af CC-App</a:t>
+            </a:r>
+            <a:endParaRPr lang="da-DK"/>
           </a:p>
         </p:txBody>
       </p:sp>
@@ -3627,7 +3560,7 @@
           <p:cNvPr id="3" name="Pladsholder til indhold 2">
             <a:extLst>
               <a:ext uri="{FF2B5EF4-FFF2-40B4-BE49-F238E27FC236}">
-                <a16:creationId xmlns:a16="http://schemas.microsoft.com/office/drawing/2014/main" id="{95BA516C-F514-477E-A555-4FED6DE3A67D}"/>
+                <a16:creationId xmlns:a16="http://schemas.microsoft.com/office/drawing/2014/main" id="{E9CC5CB8-CAE9-4809-88D6-5377E3010F14}"/>
               </a:ext>
             </a:extLst>
           </p:cNvPr>
@@ -3650,7 +3583,7 @@
     </p:spTree>
     <p:extLst>
       <p:ext uri="{BB962C8B-B14F-4D97-AF65-F5344CB8AC3E}">
-        <p14:creationId xmlns:p14="http://schemas.microsoft.com/office/powerpoint/2010/main" val="14798315"/>
+        <p14:creationId xmlns:p14="http://schemas.microsoft.com/office/powerpoint/2010/main" val="3588954004"/>
       </p:ext>
     </p:extLst>
   </p:cSld>
@@ -3682,6 +3615,89 @@
           <p:cNvPr id="2" name="Titel 1">
             <a:extLst>
               <a:ext uri="{FF2B5EF4-FFF2-40B4-BE49-F238E27FC236}">
+                <a16:creationId xmlns:a16="http://schemas.microsoft.com/office/drawing/2014/main" id="{89DA88CC-D5D8-40F6-B083-19FD154155CC}"/>
+              </a:ext>
+            </a:extLst>
+          </p:cNvPr>
+          <p:cNvSpPr>
+            <a:spLocks noGrp="1"/>
+          </p:cNvSpPr>
+          <p:nvPr>
+            <p:ph type="title"/>
+          </p:nvPr>
+        </p:nvSpPr>
+        <p:spPr/>
+        <p:txBody>
+          <a:bodyPr/>
+          <a:lstStyle/>
+          <a:p>
+            <a:r>
+              <a:rPr lang="da-DK" dirty="0"/>
+              <a:t>CC-Web</a:t>
+            </a:r>
+          </a:p>
+        </p:txBody>
+      </p:sp>
+      <p:sp>
+        <p:nvSpPr>
+          <p:cNvPr id="3" name="Pladsholder til indhold 2">
+            <a:extLst>
+              <a:ext uri="{FF2B5EF4-FFF2-40B4-BE49-F238E27FC236}">
+                <a16:creationId xmlns:a16="http://schemas.microsoft.com/office/drawing/2014/main" id="{95BA516C-F514-477E-A555-4FED6DE3A67D}"/>
+              </a:ext>
+            </a:extLst>
+          </p:cNvPr>
+          <p:cNvSpPr>
+            <a:spLocks noGrp="1"/>
+          </p:cNvSpPr>
+          <p:nvPr>
+            <p:ph idx="1"/>
+          </p:nvPr>
+        </p:nvSpPr>
+        <p:spPr/>
+        <p:txBody>
+          <a:bodyPr/>
+          <a:lstStyle/>
+          <a:p>
+            <a:endParaRPr lang="da-DK"/>
+          </a:p>
+        </p:txBody>
+      </p:sp>
+    </p:spTree>
+    <p:extLst>
+      <p:ext uri="{BB962C8B-B14F-4D97-AF65-F5344CB8AC3E}">
+        <p14:creationId xmlns:p14="http://schemas.microsoft.com/office/powerpoint/2010/main" val="14798315"/>
+      </p:ext>
+    </p:extLst>
+  </p:cSld>
+  <p:clrMapOvr>
+    <a:masterClrMapping/>
+  </p:clrMapOvr>
+</p:sld>
+</file>
+
+<file path=ppt/slides/slide5.xml><?xml version="1.0" encoding="utf-8"?>
+<p:sld xmlns:a="http://schemas.openxmlformats.org/drawingml/2006/main" xmlns:r="http://schemas.openxmlformats.org/officeDocument/2006/relationships" xmlns:p="http://schemas.openxmlformats.org/presentationml/2006/main">
+  <p:cSld>
+    <p:spTree>
+      <p:nvGrpSpPr>
+        <p:cNvPr id="1" name=""/>
+        <p:cNvGrpSpPr/>
+        <p:nvPr/>
+      </p:nvGrpSpPr>
+      <p:grpSpPr>
+        <a:xfrm>
+          <a:off x="0" y="0"/>
+          <a:ext cx="0" cy="0"/>
+          <a:chOff x="0" y="0"/>
+          <a:chExt cx="0" cy="0"/>
+        </a:xfrm>
+      </p:grpSpPr>
+      <p:sp>
+        <p:nvSpPr>
+          <p:cNvPr id="2" name="Titel 1">
+            <a:extLst>
+              <a:ext uri="{FF2B5EF4-FFF2-40B4-BE49-F238E27FC236}">
                 <a16:creationId xmlns:a16="http://schemas.microsoft.com/office/drawing/2014/main" id="{6D2A68FF-E234-42BC-AD09-428F5E0C1F19}"/>
               </a:ext>
             </a:extLst>
@@ -3743,7 +3759,7 @@
 </p:sld>
 </file>
 
-<file path=ppt/slides/slide5.xml><?xml version="1.0" encoding="utf-8"?>
+<file path=ppt/slides/slide6.xml><?xml version="1.0" encoding="utf-8"?>
 <p:sld xmlns:a="http://schemas.openxmlformats.org/drawingml/2006/main" xmlns:r="http://schemas.openxmlformats.org/officeDocument/2006/relationships" xmlns:p="http://schemas.openxmlformats.org/presentationml/2006/main">
   <p:cSld>
     <p:spTree>

--- a/CityCrawl.pptx
+++ b/CityCrawl.pptx
@@ -3557,26 +3557,70 @@
       </p:sp>
       <p:sp>
         <p:nvSpPr>
-          <p:cNvPr id="3" name="Pladsholder til indhold 2">
-            <a:extLst>
-              <a:ext uri="{FF2B5EF4-FFF2-40B4-BE49-F238E27FC236}">
-                <a16:creationId xmlns:a16="http://schemas.microsoft.com/office/drawing/2014/main" id="{E9CC5CB8-CAE9-4809-88D6-5377E3010F14}"/>
-              </a:ext>
-            </a:extLst>
-          </p:cNvPr>
-          <p:cNvSpPr>
-            <a:spLocks noGrp="1"/>
-          </p:cNvSpPr>
-          <p:nvPr>
-            <p:ph idx="1"/>
-          </p:nvPr>
-        </p:nvSpPr>
-        <p:spPr/>
-        <p:txBody>
-          <a:bodyPr/>
-          <a:lstStyle/>
-          <a:p>
-            <a:endParaRPr lang="da-DK"/>
+          <p:cNvPr id="4" name="Tekstfelt 3">
+            <a:extLst>
+              <a:ext uri="{FF2B5EF4-FFF2-40B4-BE49-F238E27FC236}">
+                <a16:creationId xmlns:a16="http://schemas.microsoft.com/office/drawing/2014/main" id="{B6CA35B5-6C89-4C28-858F-4ACA11E42AE6}"/>
+              </a:ext>
+            </a:extLst>
+          </p:cNvPr>
+          <p:cNvSpPr txBox="1"/>
+          <p:nvPr/>
+        </p:nvSpPr>
+        <p:spPr>
+          <a:xfrm>
+            <a:off x="838200" y="1803401"/>
+            <a:ext cx="2417265" cy="2204899"/>
+          </a:xfrm>
+          <a:prstGeom prst="rect">
+            <a:avLst/>
+          </a:prstGeom>
+          <a:noFill/>
+        </p:spPr>
+        <p:txBody>
+          <a:bodyPr wrap="none" rtlCol="0">
+            <a:spAutoFit/>
+          </a:bodyPr>
+          <a:lstStyle/>
+          <a:p>
+            <a:pPr marL="285750" indent="-285750">
+              <a:lnSpc>
+                <a:spcPct val="200000"/>
+              </a:lnSpc>
+              <a:buFont typeface="Arial" panose="020B0604020202020204" pitchFamily="34" charset="0"/>
+              <a:buChar char="•"/>
+            </a:pPr>
+            <a:r>
+              <a:rPr lang="en-US" sz="2400"/>
+              <a:t>MVVM struktur</a:t>
+            </a:r>
+          </a:p>
+          <a:p>
+            <a:pPr marL="285750" indent="-285750">
+              <a:lnSpc>
+                <a:spcPct val="200000"/>
+              </a:lnSpc>
+              <a:buFont typeface="Arial" panose="020B0604020202020204" pitchFamily="34" charset="0"/>
+              <a:buChar char="•"/>
+            </a:pPr>
+            <a:r>
+              <a:rPr lang="en-US" sz="2400"/>
+              <a:t>Test</a:t>
+            </a:r>
+          </a:p>
+          <a:p>
+            <a:pPr marL="285750" indent="-285750">
+              <a:lnSpc>
+                <a:spcPct val="200000"/>
+              </a:lnSpc>
+              <a:buFont typeface="Arial" panose="020B0604020202020204" pitchFamily="34" charset="0"/>
+              <a:buChar char="•"/>
+            </a:pPr>
+            <a:r>
+              <a:rPr lang="en-US" sz="2400"/>
+              <a:t>CCHttpClient</a:t>
+            </a:r>
+            <a:endParaRPr lang="da-DK" sz="2400"/>
           </a:p>
         </p:txBody>
       </p:sp>
